--- a/lectures/1/Unit1_Introduction to Marketing Research.pptx
+++ b/lectures/1/Unit1_Introduction to Marketing Research.pptx
@@ -18219,7 +18219,7 @@
           <a:p>
             <a:fld id="{73B2889B-A0AC-4482-8592-5C96F2309420}" type="datetimeFigureOut">
               <a:rPr lang="en-US" smtClean="0"/>
-              <a:t>6/4/2021</a:t>
+              <a:t>7/3/2021</a:t>
             </a:fld>
             <a:endParaRPr lang="en-US"/>
           </a:p>
@@ -18396,7 +18396,7 @@
           <a:p>
             <a:fld id="{830EB223-FFC0-462A-A3B8-EAA7CE0F8CBD}" type="datetimeFigureOut">
               <a:rPr lang="en-US" smtClean="0"/>
-              <a:t>6/4/2021</a:t>
+              <a:t>7/3/2021</a:t>
             </a:fld>
             <a:endParaRPr lang="en-US" dirty="0"/>
           </a:p>
@@ -19584,7 +19584,7 @@
           <a:p>
             <a:r>
               <a:rPr lang="en-US" dirty="0"/>
-              <a:t>My office is </a:t>
+              <a:t>My office is 417</a:t>
             </a:r>
           </a:p>
           <a:p>
@@ -19639,6 +19639,123 @@
             <a:r>
               <a:rPr lang="en-US" dirty="0"/>
               <a:t> don’t hesitate to let me know. I’d really appreciate it. I’d not take it personal.</a:t>
+            </a:r>
+          </a:p>
+          <a:p>
+            <a:pPr marL="0" marR="0" lvl="0" indent="0" algn="l" defTabSz="914400" rtl="0" eaLnBrk="1" fontAlgn="auto" latinLnBrk="0" hangingPunct="1">
+              <a:lnSpc>
+                <a:spcPct val="100000"/>
+              </a:lnSpc>
+              <a:spcBef>
+                <a:spcPts val="0"/>
+              </a:spcBef>
+              <a:spcAft>
+                <a:spcPts val="0"/>
+              </a:spcAft>
+              <a:buClrTx/>
+              <a:buSzTx/>
+              <a:buFontTx/>
+              <a:buNone/>
+              <a:tabLst/>
+              <a:defRPr/>
+            </a:pPr>
+            <a:endParaRPr lang="en-US" dirty="0"/>
+          </a:p>
+          <a:p>
+            <a:pPr marL="0" marR="0" lvl="0" indent="0" algn="l" defTabSz="914400" rtl="0" eaLnBrk="1" fontAlgn="auto" latinLnBrk="0" hangingPunct="1">
+              <a:lnSpc>
+                <a:spcPct val="100000"/>
+              </a:lnSpc>
+              <a:spcBef>
+                <a:spcPts val="0"/>
+              </a:spcBef>
+              <a:spcAft>
+                <a:spcPts val="0"/>
+              </a:spcAft>
+              <a:buClrTx/>
+              <a:buSzTx/>
+              <a:buFontTx/>
+              <a:buNone/>
+              <a:tabLst/>
+              <a:defRPr/>
+            </a:pPr>
+            <a:r>
+              <a:rPr lang="en-US" dirty="0"/>
+              <a:t>Moreover, I understand that this is an early class or you can say the earliest class possible. Some or most of you probably don’t want to be here at this time, And believe me, I am not thrilled either. I am not a morning person at all. I’ve tried to ask them to move the class later or even in the afternoon, but it wasn’t possible. </a:t>
+            </a:r>
+          </a:p>
+          <a:p>
+            <a:pPr marL="0" marR="0" lvl="0" indent="0" algn="l" defTabSz="914400" rtl="0" eaLnBrk="1" fontAlgn="auto" latinLnBrk="0" hangingPunct="1">
+              <a:lnSpc>
+                <a:spcPct val="100000"/>
+              </a:lnSpc>
+              <a:spcBef>
+                <a:spcPts val="0"/>
+              </a:spcBef>
+              <a:spcAft>
+                <a:spcPts val="0"/>
+              </a:spcAft>
+              <a:buClrTx/>
+              <a:buSzTx/>
+              <a:buFontTx/>
+              <a:buNone/>
+              <a:tabLst/>
+              <a:defRPr/>
+            </a:pPr>
+            <a:r>
+              <a:rPr lang="en-US" dirty="0"/>
+              <a:t>But we are all in this together. And I will try to make the class as interesting as possible. I hope you won’t take this hour against me. It’s not you guys against me for making you do stuff at this time, but we are all together against this unpleasant hour. </a:t>
+            </a:r>
+          </a:p>
+          <a:p>
+            <a:pPr marL="0" marR="0" lvl="0" indent="0" algn="l" defTabSz="914400" rtl="0" eaLnBrk="1" fontAlgn="auto" latinLnBrk="0" hangingPunct="1">
+              <a:lnSpc>
+                <a:spcPct val="100000"/>
+              </a:lnSpc>
+              <a:spcBef>
+                <a:spcPts val="0"/>
+              </a:spcBef>
+              <a:spcAft>
+                <a:spcPts val="0"/>
+              </a:spcAft>
+              <a:buClrTx/>
+              <a:buSzTx/>
+              <a:buFontTx/>
+              <a:buNone/>
+              <a:tabLst/>
+              <a:defRPr/>
+            </a:pPr>
+            <a:endParaRPr lang="en-US" dirty="0"/>
+          </a:p>
+          <a:p>
+            <a:pPr marL="0" marR="0" lvl="0" indent="0" algn="l" defTabSz="914400" rtl="0" eaLnBrk="1" fontAlgn="auto" latinLnBrk="0" hangingPunct="1">
+              <a:lnSpc>
+                <a:spcPct val="100000"/>
+              </a:lnSpc>
+              <a:spcBef>
+                <a:spcPts val="0"/>
+              </a:spcBef>
+              <a:spcAft>
+                <a:spcPts val="0"/>
+              </a:spcAft>
+              <a:buClrTx/>
+              <a:buSzTx/>
+              <a:buFontTx/>
+              <a:buNone/>
+              <a:tabLst/>
+              <a:defRPr/>
+            </a:pPr>
+            <a:r>
+              <a:rPr lang="en-US" dirty="0"/>
+              <a:t>If about half of the class, you guys want to stand up to stretch or take a 3 mins break, </a:t>
+            </a:r>
+            <a:r>
+              <a:rPr lang="en-US" dirty="0" err="1"/>
+              <a:t>plz</a:t>
+            </a:r>
+            <a:r>
+              <a:rPr lang="en-US" dirty="0"/>
+              <a:t> let me know. </a:t>
             </a:r>
           </a:p>
         </p:txBody>
@@ -20442,7 +20559,7 @@
           <a:p>
             <a:fld id="{8309642E-A968-44B8-ACE3-90EBEDDD398D}" type="datetime1">
               <a:rPr lang="en-US" smtClean="0"/>
-              <a:t>6/4/2021</a:t>
+              <a:t>7/3/2021</a:t>
             </a:fld>
             <a:endParaRPr lang="en-US" dirty="0"/>
           </a:p>
@@ -20644,7 +20761,7 @@
           <a:p>
             <a:fld id="{2C88C5C9-6B9B-4CFA-979A-ECC03C5FF465}" type="datetime1">
               <a:rPr lang="en-US" smtClean="0"/>
-              <a:t>6/4/2021</a:t>
+              <a:t>7/3/2021</a:t>
             </a:fld>
             <a:endParaRPr lang="en-US" dirty="0"/>
           </a:p>
@@ -20856,7 +20973,7 @@
           <a:p>
             <a:fld id="{DC44DC0C-FBF5-4717-92E2-F4E5E6FE63C5}" type="datetime1">
               <a:rPr lang="en-US" smtClean="0"/>
-              <a:t>6/4/2021</a:t>
+              <a:t>7/3/2021</a:t>
             </a:fld>
             <a:endParaRPr lang="en-US" dirty="0"/>
           </a:p>
@@ -21058,7 +21175,7 @@
           <a:p>
             <a:fld id="{F7396869-A527-4DDE-A87F-2FAD93591CD6}" type="datetime1">
               <a:rPr lang="en-US" smtClean="0"/>
-              <a:t>6/4/2021</a:t>
+              <a:t>7/3/2021</a:t>
             </a:fld>
             <a:endParaRPr lang="en-US" dirty="0"/>
           </a:p>
@@ -21337,7 +21454,7 @@
           <a:p>
             <a:fld id="{E0B9E5B0-5213-4A85-8072-65B30E4AAA7C}" type="datetime1">
               <a:rPr lang="en-US" smtClean="0"/>
-              <a:t>6/4/2021</a:t>
+              <a:t>7/3/2021</a:t>
             </a:fld>
             <a:endParaRPr lang="en-US" dirty="0"/>
           </a:p>
@@ -21606,7 +21723,7 @@
           <a:p>
             <a:fld id="{1E1C311C-4227-43C8-B657-7AFFBA651C5D}" type="datetime1">
               <a:rPr lang="en-US" smtClean="0"/>
-              <a:t>6/4/2021</a:t>
+              <a:t>7/3/2021</a:t>
             </a:fld>
             <a:endParaRPr lang="en-US" dirty="0"/>
           </a:p>
@@ -22022,7 +22139,7 @@
           <a:p>
             <a:fld id="{4892BA78-636B-4087-93C1-12DC82F8BA9E}" type="datetime1">
               <a:rPr lang="en-US" smtClean="0"/>
-              <a:t>6/4/2021</a:t>
+              <a:t>7/3/2021</a:t>
             </a:fld>
             <a:endParaRPr lang="en-US" dirty="0"/>
           </a:p>
@@ -22167,7 +22284,7 @@
           <a:p>
             <a:fld id="{62127D47-33AC-4EB8-88BF-73A09525E3C6}" type="datetime1">
               <a:rPr lang="en-US" smtClean="0"/>
-              <a:t>6/4/2021</a:t>
+              <a:t>7/3/2021</a:t>
             </a:fld>
             <a:endParaRPr lang="en-US" dirty="0"/>
           </a:p>
@@ -22284,7 +22401,7 @@
           <a:p>
             <a:fld id="{F67EABE3-FF1B-4439-8181-10F3B1916892}" type="datetime1">
               <a:rPr lang="en-US" smtClean="0"/>
-              <a:t>6/4/2021</a:t>
+              <a:t>7/3/2021</a:t>
             </a:fld>
             <a:endParaRPr lang="en-US" dirty="0"/>
           </a:p>
@@ -22599,7 +22716,7 @@
           <a:p>
             <a:fld id="{E100E4BB-DE2B-43F9-8988-838425CC0DCC}" type="datetime1">
               <a:rPr lang="en-US" smtClean="0"/>
-              <a:t>6/4/2021</a:t>
+              <a:t>7/3/2021</a:t>
             </a:fld>
             <a:endParaRPr lang="en-US" dirty="0"/>
           </a:p>
@@ -22895,7 +23012,7 @@
           <a:p>
             <a:fld id="{F0231CB1-42AC-4A7B-8114-59E8BE22884B}" type="datetime1">
               <a:rPr lang="en-US" smtClean="0"/>
-              <a:t>6/4/2021</a:t>
+              <a:t>7/3/2021</a:t>
             </a:fld>
             <a:endParaRPr lang="en-US" dirty="0"/>
           </a:p>
@@ -23140,7 +23257,7 @@
           <a:p>
             <a:fld id="{840AEFE5-39FE-49F0-BD01-3399A6CA78BB}" type="datetime1">
               <a:rPr lang="en-US" smtClean="0"/>
-              <a:t>6/4/2021</a:t>
+              <a:t>7/3/2021</a:t>
             </a:fld>
             <a:endParaRPr lang="en-US" dirty="0"/>
           </a:p>
@@ -31322,6 +31439,17 @@
               <a:t>Purpose and definition of marketing research </a:t>
             </a:r>
           </a:p>
+          <a:p>
+            <a:r>
+              <a:rPr lang="en-US" sz="2200" dirty="0"/>
+              <a:t>Assignment due</a:t>
+            </a:r>
+            <a:r>
+              <a:rPr lang="en-US" sz="2200"/>
+              <a:t>: PA #1</a:t>
+            </a:r>
+            <a:endParaRPr lang="en-US" sz="2200" dirty="0"/>
+          </a:p>
         </p:txBody>
       </p:sp>
       <p:pic>
@@ -32979,10 +33107,10 @@
               <a:t>Email: </a:t>
             </a:r>
             <a:r>
-              <a:rPr lang="en-US" sz="2200" dirty="0" err="1">
+              <a:rPr lang="en-US" sz="2200" dirty="0">
                 <a:hlinkClick r:id="rId5"/>
               </a:rPr>
-              <a:t>mikenguyen@mail.missouri</a:t>
+              <a:t>mikenguyen@mail.missouri.edu</a:t>
             </a:r>
             <a:endParaRPr lang="en-US" sz="2200" dirty="0"/>
           </a:p>
@@ -35965,11 +36093,12 @@
 </file>
 
 <file path=customXml/item1.xml><?xml version="1.0" encoding="utf-8"?>
-<p:properties xmlns:p="http://schemas.microsoft.com/office/2006/metadata/properties" xmlns:xsi="http://www.w3.org/2001/XMLSchema-instance" xmlns:pc="http://schemas.microsoft.com/office/infopath/2007/PartnerControls">
-  <documentManagement>
-    <MediaServiceKeyPoints xmlns="71af3243-3dd4-4a8d-8c0d-dd76da1f02a5" xsi:nil="true"/>
-  </documentManagement>
-</p:properties>
+<?mso-contentType ?>
+<FormTemplates xmlns="http://schemas.microsoft.com/sharepoint/v3/contenttype/forms">
+  <Display>DocumentLibraryForm</Display>
+  <Edit>DocumentLibraryForm</Edit>
+  <New>DocumentLibraryForm</New>
+</FormTemplates>
 </file>
 
 <file path=customXml/item2.xml><?xml version="1.0" encoding="utf-8"?>
@@ -36184,20 +36313,17 @@
 </file>
 
 <file path=customXml/item3.xml><?xml version="1.0" encoding="utf-8"?>
-<?mso-contentType ?>
-<FormTemplates xmlns="http://schemas.microsoft.com/sharepoint/v3/contenttype/forms">
-  <Display>DocumentLibraryForm</Display>
-  <Edit>DocumentLibraryForm</Edit>
-  <New>DocumentLibraryForm</New>
-</FormTemplates>
+<p:properties xmlns:p="http://schemas.microsoft.com/office/2006/metadata/properties" xmlns:xsi="http://www.w3.org/2001/XMLSchema-instance" xmlns:pc="http://schemas.microsoft.com/office/infopath/2007/PartnerControls">
+  <documentManagement>
+    <MediaServiceKeyPoints xmlns="71af3243-3dd4-4a8d-8c0d-dd76da1f02a5" xsi:nil="true"/>
+  </documentManagement>
+</p:properties>
 </file>
 
 <file path=customXml/itemProps1.xml><?xml version="1.0" encoding="utf-8"?>
-<ds:datastoreItem xmlns:ds="http://schemas.openxmlformats.org/officeDocument/2006/customXml" ds:itemID="{03C7D9E6-B0D9-433E-BD46-EB60F64F4DA8}">
+<ds:datastoreItem xmlns:ds="http://schemas.openxmlformats.org/officeDocument/2006/customXml" ds:itemID="{5CA875DA-F9FD-4F83-A049-3B1027B542DE}">
   <ds:schemaRefs>
-    <ds:schemaRef ds:uri="http://schemas.microsoft.com/office/2006/metadata/properties"/>
-    <ds:schemaRef ds:uri="http://schemas.microsoft.com/office/infopath/2007/PartnerControls"/>
-    <ds:schemaRef ds:uri="71af3243-3dd4-4a8d-8c0d-dd76da1f02a5"/>
+    <ds:schemaRef ds:uri="http://schemas.microsoft.com/sharepoint/v3/contenttype/forms"/>
   </ds:schemaRefs>
 </ds:datastoreItem>
 </file>
@@ -36222,9 +36348,11 @@
 </file>
 
 <file path=customXml/itemProps3.xml><?xml version="1.0" encoding="utf-8"?>
-<ds:datastoreItem xmlns:ds="http://schemas.openxmlformats.org/officeDocument/2006/customXml" ds:itemID="{5CA875DA-F9FD-4F83-A049-3B1027B542DE}">
+<ds:datastoreItem xmlns:ds="http://schemas.openxmlformats.org/officeDocument/2006/customXml" ds:itemID="{03C7D9E6-B0D9-433E-BD46-EB60F64F4DA8}">
   <ds:schemaRefs>
-    <ds:schemaRef ds:uri="http://schemas.microsoft.com/sharepoint/v3/contenttype/forms"/>
+    <ds:schemaRef ds:uri="http://schemas.microsoft.com/office/2006/metadata/properties"/>
+    <ds:schemaRef ds:uri="http://schemas.microsoft.com/office/infopath/2007/PartnerControls"/>
+    <ds:schemaRef ds:uri="71af3243-3dd4-4a8d-8c0d-dd76da1f02a5"/>
   </ds:schemaRefs>
 </ds:datastoreItem>
 </file>